--- a/Math_Solver_Refined_Presentation.pptx
+++ b/Math_Solver_Refined_Presentation.pptx
@@ -16,7 +16,9 @@
     <p:sldId id="264" r:id="rId11"/>
     <p:sldId id="265" r:id="rId12"/>
     <p:sldId id="266" r:id="rId13"/>
-    <p:sldId id="268" r:id="rId14"/>
+    <p:sldId id="267" r:id="rId14"/>
+    <p:sldId id="268" r:id="rId15"/>
+    <p:sldId id="269" r:id="rId16"/>
   </p:sldIdLst>
   <p:sldSz cx="12188825" cy="6858000" type="screen4x3"/>
   <p:notesSz cx="6858000" cy="9144000"/>
@@ -3121,62 +3123,28 @@
             <a:ext cx="11274552" cy="2286000"/>
           </a:xfrm>
         </p:spPr>
-        <p:style>
-          <a:lnRef idx="2">
-            <a:schemeClr val="accent1"/>
-          </a:lnRef>
-          <a:fillRef idx="0">
-            <a:srgbClr val="FFFFFF"/>
-          </a:fillRef>
-          <a:effectRef idx="0">
-            <a:srgbClr val="FFFFFF"/>
-          </a:effectRef>
-          <a:fontRef idx="minor">
-            <a:schemeClr val="tx1"/>
-          </a:fontRef>
-        </p:style>
         <p:txBody>
           <a:bodyPr/>
           <a:lstStyle/>
           <a:p>
             <a:pPr algn="ctr">
-              <a:defRPr sz="2800"/>
-            </a:pPr>
-            <a:r>
-              <a:rPr>
-                <a:solidFill>
-                  <a:schemeClr val="tx1"/>
-                </a:solidFill>
-              </a:rPr>
+              <a:defRPr sz="2600"/>
+            </a:pPr>
+            <a:r>
               <a:t>AI-Powered Mathematical Problem Solver</a:t>
             </a:r>
-            <a:endParaRPr>
-              <a:solidFill>
-                <a:schemeClr val="tx1"/>
-              </a:solidFill>
-            </a:endParaRPr>
-          </a:p>
-          <a:p>
-            <a:endParaRPr>
-              <a:solidFill>
-                <a:schemeClr val="tx1"/>
-              </a:solidFill>
-            </a:endParaRPr>
-          </a:p>
-          <a:p>
-            <a:r>
-              <a:rPr>
-                <a:solidFill>
-                  <a:schemeClr val="tx1"/>
-                </a:solidFill>
-              </a:rPr>
+          </a:p>
+          <a:p/>
+          <a:p>
+            <a:r>
               <a:t>From Image to Solution in Seconds</a:t>
             </a:r>
-            <a:endParaRPr>
-              <a:solidFill>
-                <a:schemeClr val="tx1"/>
-              </a:solidFill>
-            </a:endParaRPr>
+          </a:p>
+          <a:p/>
+          <a:p>
+            <a:r>
+              <a:t>Presented by [Your Name]</a:t>
+            </a:r>
           </a:p>
         </p:txBody>
       </p:sp>
@@ -3227,7 +3195,7 @@
               </a:defRPr>
             </a:pPr>
             <a:r>
-              <a:t>Why We Win 🏆</a:t>
+              <a:t>Business Model 💰</a:t>
             </a:r>
           </a:p>
         </p:txBody>
@@ -3261,7 +3229,7 @@
               </a:defRPr>
             </a:pPr>
             <a:r>
-              <a:t>🔍 Advanced AI vs basic calculators</a:t>
+              <a:t>📱 Freemium: 10 problems/day free</a:t>
             </a:r>
           </a:p>
           <a:p>
@@ -3274,7 +3242,7 @@
               </a:defRPr>
             </a:pPr>
             <a:r>
-              <a:t>📝 Step-by-step explanations vs just answers</a:t>
+              <a:t>⭐ Premium: Unlimited + priority processing</a:t>
             </a:r>
           </a:p>
           <a:p>
@@ -3287,40 +3255,8 @@
               </a:defRPr>
             </a:pPr>
             <a:r>
-              <a:t>📸 Image recognition vs manual input</a:t>
-            </a:r>
-          </a:p>
-          <a:p>
-            <a:pPr>
-              <a:spcAft>
-                <a:spcPts val="1200"/>
-              </a:spcAft>
-              <a:defRPr sz="2400">
-                <a:latin typeface="Calibri" panose="020F0502020204030204"/>
-              </a:defRPr>
-            </a:pPr>
-            <a:r>
-              <a:rPr>
-                <a:sym typeface="+mn-ea"/>
-              </a:rPr>
-              <a:t>🎓 </a:t>
-            </a:r>
-            <a:r>
-              <a:rPr lang="de-DE">
-                <a:latin typeface="Calibri" panose="020F0502020204030204" charset="0"/>
-                <a:sym typeface="+mn-ea"/>
-              </a:rPr>
-              <a:t> </a:t>
-            </a:r>
-            <a:r>
-              <a:rPr lang="de-DE">
-                <a:latin typeface="Calibri" panose="020F0502020204030204" charset="0"/>
-              </a:rPr>
-              <a:t>With a Master of Math we know how to make it more accuraty </a:t>
-            </a:r>
-            <a:endParaRPr lang="de-DE">
-              <a:latin typeface="Calibri" panose="020F0502020204030204" charset="0"/>
-            </a:endParaRPr>
+              <a:t>🏢 Enterprise: Educational institutions</a:t>
+            </a:r>
           </a:p>
         </p:txBody>
       </p:sp>
@@ -3371,7 +3307,7 @@
               </a:defRPr>
             </a:pPr>
             <a:r>
-              <a:t>What's Next 🔮</a:t>
+              <a:t>Why We Win 🏆</a:t>
             </a:r>
           </a:p>
         </p:txBody>
@@ -3405,13 +3341,7 @@
               </a:defRPr>
             </a:pPr>
             <a:r>
-              <a:t>🌍 Multi-language support</a:t>
-            </a:r>
-            <a:r>
-              <a:rPr lang="de-DE">
-                <a:latin typeface="Calibri" panose="020F0502020204030204" charset="0"/>
-              </a:rPr>
-              <a:t>s</a:t>
+              <a:t>🔍 Advanced AI vs basic calculators</a:t>
             </a:r>
           </a:p>
           <a:p>
@@ -3424,7 +3354,7 @@
               </a:defRPr>
             </a:pPr>
             <a:r>
-              <a:t>📊 Advanced problem types</a:t>
+              <a:t>📝 Step-by-step explanations vs just answers</a:t>
             </a:r>
           </a:p>
           <a:p>
@@ -3437,7 +3367,7 @@
               </a:defRPr>
             </a:pPr>
             <a:r>
-              <a:t>🎓 Educational content integration</a:t>
+              <a:t>📸 Image recognition vs manual input</a:t>
             </a:r>
           </a:p>
         </p:txBody>
@@ -3489,7 +3419,7 @@
               </a:defRPr>
             </a:pPr>
             <a:r>
-              <a:t>Thank You! 🙏</a:t>
+              <a:t>What's Next 🔮</a:t>
             </a:r>
           </a:p>
         </p:txBody>
@@ -3523,7 +3453,7 @@
               </a:defRPr>
             </a:pPr>
             <a:r>
-              <a:t>Questions &amp; Discussion</a:t>
+              <a:t>🌍 Multi-language support</a:t>
             </a:r>
           </a:p>
           <a:p>
@@ -3536,25 +3466,244 @@
               </a:defRPr>
             </a:pPr>
             <a:r>
-              <a:t>📧 Contact: </a:t>
-            </a:r>
-            <a:r>
-              <a:rPr lang="de-DE">
-                <a:latin typeface="Calibri" panose="020F0502020204030204" charset="0"/>
-              </a:rPr>
-              <a:t>jonysun2001</a:t>
-            </a:r>
-            <a:r>
-              <a:t>@</a:t>
-            </a:r>
-            <a:r>
-              <a:rPr lang="de-DE">
-                <a:latin typeface="Calibri" panose="020F0502020204030204" charset="0"/>
-              </a:rPr>
-              <a:t>gmail</a:t>
-            </a:r>
-            <a:r>
-              <a:t>.com</a:t>
+              <a:t>📊 Advanced problem types</a:t>
+            </a:r>
+          </a:p>
+          <a:p>
+            <a:pPr>
+              <a:spcAft>
+                <a:spcPts val="1200"/>
+              </a:spcAft>
+              <a:defRPr sz="2400">
+                <a:latin typeface="Calibri" panose="020F0502020204030204"/>
+              </a:defRPr>
+            </a:pPr>
+            <a:r>
+              <a:t>🎓 Educational content integration</a:t>
+            </a:r>
+          </a:p>
+        </p:txBody>
+      </p:sp>
+    </p:spTree>
+  </p:cSld>
+  <p:clrMapOvr>
+    <a:masterClrMapping/>
+  </p:clrMapOvr>
+</p:sld>
+</file>
+
+<file path=ppt/slides/slide13.xml><?xml version="1.0" encoding="utf-8"?>
+<p:sld xmlns:a="http://schemas.openxmlformats.org/drawingml/2006/main" xmlns:r="http://schemas.openxmlformats.org/officeDocument/2006/relationships" xmlns:p="http://schemas.openxmlformats.org/presentationml/2006/main">
+  <p:cSld>
+    <p:spTree>
+      <p:nvGrpSpPr>
+        <p:cNvPr id="1" name=""/>
+        <p:cNvGrpSpPr/>
+        <p:nvPr/>
+      </p:nvGrpSpPr>
+      <p:grpSpPr/>
+      <p:sp>
+        <p:nvSpPr>
+          <p:cNvPr id="2" name="Title 1"/>
+          <p:cNvSpPr>
+            <a:spLocks noGrp="1"/>
+          </p:cNvSpPr>
+          <p:nvPr>
+            <p:ph type="title"/>
+          </p:nvPr>
+        </p:nvSpPr>
+        <p:spPr>
+          <a:xfrm>
+            <a:off x="457200" y="274320"/>
+            <a:ext cx="11274552" cy="914400"/>
+          </a:xfrm>
+        </p:spPr>
+        <p:txBody>
+          <a:bodyPr/>
+          <a:lstStyle/>
+          <a:p>
+            <a:pPr>
+              <a:defRPr sz="4000" b="1">
+                <a:solidFill>
+                  <a:srgbClr val="007AFF"/>
+                </a:solidFill>
+                <a:latin typeface="Calibri" panose="020F0502020204030204"/>
+              </a:defRPr>
+            </a:pPr>
+            <a:r>
+              <a:t>Get Involved 🚀</a:t>
+            </a:r>
+          </a:p>
+        </p:txBody>
+      </p:sp>
+      <p:sp>
+        <p:nvSpPr>
+          <p:cNvPr id="3" name="Content Placeholder 2"/>
+          <p:cNvSpPr>
+            <a:spLocks noGrp="1"/>
+          </p:cNvSpPr>
+          <p:nvPr>
+            <p:ph idx="1"/>
+          </p:nvPr>
+        </p:nvSpPr>
+        <p:spPr>
+          <a:xfrm>
+            <a:off x="457200" y="1371600"/>
+            <a:ext cx="11274552" cy="5212080"/>
+          </a:xfrm>
+        </p:spPr>
+        <p:txBody>
+          <a:bodyPr/>
+          <a:lstStyle/>
+          <a:p>
+            <a:pPr>
+              <a:spcAft>
+                <a:spcPts val="1200"/>
+              </a:spcAft>
+              <a:defRPr sz="2400">
+                <a:latin typeface="Calibri" panose="020F0502020204030204"/>
+              </a:defRPr>
+            </a:pPr>
+            <a:r>
+              <a:t>💰 Investors: Join the EdTech revolution</a:t>
+            </a:r>
+          </a:p>
+          <a:p>
+            <a:pPr>
+              <a:spcAft>
+                <a:spcPts val="1200"/>
+              </a:spcAft>
+              <a:defRPr sz="2400">
+                <a:latin typeface="Calibri" panose="020F0502020204030204"/>
+              </a:defRPr>
+            </a:pPr>
+            <a:r>
+              <a:t>📱 Users: Try the app today</a:t>
+            </a:r>
+          </a:p>
+          <a:p>
+            <a:pPr>
+              <a:spcAft>
+                <a:spcPts val="1200"/>
+              </a:spcAft>
+              <a:defRPr sz="2400">
+                <a:latin typeface="Calibri" panose="020F0502020204030204"/>
+              </a:defRPr>
+            </a:pPr>
+            <a:r>
+              <a:t>👥 Developers: Contribute on GitHub</a:t>
+            </a:r>
+          </a:p>
+          <a:p>
+            <a:pPr>
+              <a:spcAft>
+                <a:spcPts val="1200"/>
+              </a:spcAft>
+              <a:defRPr sz="2400">
+                <a:latin typeface="Calibri" panose="020F0502020204030204"/>
+              </a:defRPr>
+            </a:pPr>
+            <a:r>
+              <a:t>🐱 Repository: github.com/lskenkf/math_solver</a:t>
+            </a:r>
+          </a:p>
+        </p:txBody>
+      </p:sp>
+    </p:spTree>
+  </p:cSld>
+  <p:clrMapOvr>
+    <a:masterClrMapping/>
+  </p:clrMapOvr>
+</p:sld>
+</file>
+
+<file path=ppt/slides/slide14.xml><?xml version="1.0" encoding="utf-8"?>
+<p:sld xmlns:a="http://schemas.openxmlformats.org/drawingml/2006/main" xmlns:r="http://schemas.openxmlformats.org/officeDocument/2006/relationships" xmlns:p="http://schemas.openxmlformats.org/presentationml/2006/main">
+  <p:cSld>
+    <p:spTree>
+      <p:nvGrpSpPr>
+        <p:cNvPr id="1" name=""/>
+        <p:cNvGrpSpPr/>
+        <p:nvPr/>
+      </p:nvGrpSpPr>
+      <p:grpSpPr/>
+      <p:sp>
+        <p:nvSpPr>
+          <p:cNvPr id="2" name="Title 1"/>
+          <p:cNvSpPr>
+            <a:spLocks noGrp="1"/>
+          </p:cNvSpPr>
+          <p:nvPr>
+            <p:ph type="title"/>
+          </p:nvPr>
+        </p:nvSpPr>
+        <p:spPr>
+          <a:xfrm>
+            <a:off x="457200" y="274320"/>
+            <a:ext cx="11274552" cy="914400"/>
+          </a:xfrm>
+        </p:spPr>
+        <p:txBody>
+          <a:bodyPr/>
+          <a:lstStyle/>
+          <a:p>
+            <a:pPr>
+              <a:defRPr sz="4000" b="1">
+                <a:solidFill>
+                  <a:srgbClr val="007AFF"/>
+                </a:solidFill>
+                <a:latin typeface="Calibri" panose="020F0502020204030204"/>
+              </a:defRPr>
+            </a:pPr>
+            <a:r>
+              <a:t>Thank You! 🙏</a:t>
+            </a:r>
+          </a:p>
+        </p:txBody>
+      </p:sp>
+      <p:sp>
+        <p:nvSpPr>
+          <p:cNvPr id="3" name="Content Placeholder 2"/>
+          <p:cNvSpPr>
+            <a:spLocks noGrp="1"/>
+          </p:cNvSpPr>
+          <p:nvPr>
+            <p:ph idx="1"/>
+          </p:nvPr>
+        </p:nvSpPr>
+        <p:spPr>
+          <a:xfrm>
+            <a:off x="457200" y="1371600"/>
+            <a:ext cx="11274552" cy="5212080"/>
+          </a:xfrm>
+        </p:spPr>
+        <p:txBody>
+          <a:bodyPr/>
+          <a:lstStyle/>
+          <a:p>
+            <a:pPr>
+              <a:spcAft>
+                <a:spcPts val="1200"/>
+              </a:spcAft>
+              <a:defRPr sz="2400">
+                <a:latin typeface="Calibri" panose="020F0502020204030204"/>
+              </a:defRPr>
+            </a:pPr>
+            <a:r>
+              <a:t>Questions &amp; Discussion</a:t>
+            </a:r>
+          </a:p>
+          <a:p>
+            <a:pPr>
+              <a:spcAft>
+                <a:spcPts val="1200"/>
+              </a:spcAft>
+              <a:defRPr sz="2400">
+                <a:latin typeface="Calibri" panose="020F0502020204030204"/>
+              </a:defRPr>
+            </a:pPr>
+            <a:r>
+              <a:t>📧 Contact: [your.email@domain.com]</a:t>
             </a:r>
           </a:p>
           <a:p>
@@ -3632,7 +3781,7 @@
               </a:defRPr>
             </a:pPr>
             <a:r>
-              <a:t>The Problem 🤔</a:t>
+              <a:t>About Me 👨‍💻</a:t>
             </a:r>
           </a:p>
         </p:txBody>
@@ -3666,7 +3815,13 @@
               </a:defRPr>
             </a:pPr>
             <a:r>
-              <a:t>• Students struggle with complex math problems</a:t>
+              <a:t>🎓 </a:t>
+            </a:r>
+            <a:r>
+              <a:rPr lang="de-DE">
+                <a:latin typeface="Calibri" panose="020F0502020204030204" charset="0"/>
+              </a:rPr>
+              <a:t> Master in Mathematics (Tu Berlin)</a:t>
             </a:r>
           </a:p>
           <a:p>
@@ -3679,7 +3834,13 @@
               </a:defRPr>
             </a:pPr>
             <a:r>
-              <a:t>• No instant step-by-step guidance available</a:t>
+              <a:t>💼 </a:t>
+            </a:r>
+            <a:r>
+              <a:rPr lang="de-DE">
+                <a:latin typeface="Calibri" panose="020F0502020204030204" charset="0"/>
+              </a:rPr>
+              <a:t> Data Scientist (ca. 6 years)</a:t>
             </a:r>
           </a:p>
           <a:p>
@@ -3692,11 +3853,48 @@
               </a:defRPr>
             </a:pPr>
             <a:r>
-              <a:t>• Time-consuming manual calculations</a:t>
-            </a:r>
-          </a:p>
-        </p:txBody>
-      </p:sp>
+              <a:t>🚀 Passionate about AI and Education Technology</a:t>
+            </a:r>
+          </a:p>
+          <a:p>
+            <a:pPr>
+              <a:spcAft>
+                <a:spcPts val="1200"/>
+              </a:spcAft>
+              <a:defRPr sz="2400">
+                <a:latin typeface="Calibri" panose="020F0502020204030204"/>
+              </a:defRPr>
+            </a:pPr>
+            <a:r>
+              <a:t>💡 Built this Math Solver to revolutionize learning</a:t>
+            </a:r>
+          </a:p>
+        </p:txBody>
+      </p:sp>
+      <p:pic>
+        <p:nvPicPr>
+          <p:cNvPr id="4" name="Picture 3" descr="IMG_20250726_094843(1)(1)"/>
+          <p:cNvPicPr>
+            <a:picLocks noChangeAspect="1"/>
+          </p:cNvPicPr>
+          <p:nvPr/>
+        </p:nvPicPr>
+        <p:blipFill>
+          <a:blip r:embed="rId1"/>
+          <a:stretch>
+            <a:fillRect/>
+          </a:stretch>
+        </p:blipFill>
+        <p:spPr>
+          <a:xfrm>
+            <a:off x="8763635" y="274320"/>
+            <a:ext cx="3124200" cy="3487420"/>
+          </a:xfrm>
+          <a:prstGeom prst="rect">
+            <a:avLst/>
+          </a:prstGeom>
+        </p:spPr>
+      </p:pic>
     </p:spTree>
   </p:cSld>
   <p:clrMapOvr>
@@ -3744,7 +3942,7 @@
               </a:defRPr>
             </a:pPr>
             <a:r>
-              <a:t>Our Solution ✨</a:t>
+              <a:t>The Problem 🤔</a:t>
             </a:r>
           </a:p>
         </p:txBody>
@@ -3778,7 +3976,7 @@
               </a:defRPr>
             </a:pPr>
             <a:r>
-              <a:t>📸 Snap a photo of any math problem</a:t>
+              <a:t>• Students struggle with complex math problems</a:t>
             </a:r>
           </a:p>
           <a:p>
@@ -3791,7 +3989,7 @@
               </a:defRPr>
             </a:pPr>
             <a:r>
-              <a:t>🤖 AI analyzes and solves instantly</a:t>
+              <a:t>• No instant step-by-step guidance available</a:t>
             </a:r>
           </a:p>
           <a:p>
@@ -3804,7 +4002,7 @@
               </a:defRPr>
             </a:pPr>
             <a:r>
-              <a:t>📋 Get detailed step-by-step solutions</a:t>
+              <a:t>• Time-consuming manual calculations</a:t>
             </a:r>
           </a:p>
         </p:txBody>
@@ -3856,7 +4054,7 @@
               </a:defRPr>
             </a:pPr>
             <a:r>
-              <a:t>How It Works 🔄</a:t>
+              <a:t>Our Solution ✨</a:t>
             </a:r>
           </a:p>
         </p:txBody>
@@ -3890,7 +4088,7 @@
               </a:defRPr>
             </a:pPr>
             <a:r>
-              <a:t>1️ Take a photo of your math problem</a:t>
+              <a:t>📸 Snap a photo of any math problem</a:t>
             </a:r>
           </a:p>
           <a:p>
@@ -3903,7 +4101,7 @@
               </a:defRPr>
             </a:pPr>
             <a:r>
-              <a:t>2️ AI processes the image in &lt;90 seconds</a:t>
+              <a:t>🤖 AI analyzes and solves instantly</a:t>
             </a:r>
           </a:p>
           <a:p>
@@ -3916,7 +4114,7 @@
               </a:defRPr>
             </a:pPr>
             <a:r>
-              <a:t>3️ Receive step-by-step solution with verification</a:t>
+              <a:t>📋 Get detailed step-by-step solutions</a:t>
             </a:r>
           </a:p>
         </p:txBody>
@@ -3968,7 +4166,7 @@
               </a:defRPr>
             </a:pPr>
             <a:r>
-              <a:t>Key Features 🌟</a:t>
+              <a:t>How It Works 🔄</a:t>
             </a:r>
           </a:p>
         </p:txBody>
@@ -4002,7 +4200,7 @@
               </a:defRPr>
             </a:pPr>
             <a:r>
-              <a:t>⚡ Fast: Results in under 90 seconds</a:t>
+              <a:t>1️⃣ Take a photo of your math problem</a:t>
             </a:r>
           </a:p>
           <a:p>
@@ -4015,7 +4213,7 @@
               </a:defRPr>
             </a:pPr>
             <a:r>
-              <a:t>🎯 Accurate: Advanced AI with verification</a:t>
+              <a:t>2️⃣ AI processes the image in &lt;90 seconds</a:t>
             </a:r>
           </a:p>
           <a:p>
@@ -4028,7 +4226,7 @@
               </a:defRPr>
             </a:pPr>
             <a:r>
-              <a:t>📱 Easy: Simple photo-to-solution interface</a:t>
+              <a:t>3️⃣ Receive step-by-step solution with verification</a:t>
             </a:r>
           </a:p>
         </p:txBody>
@@ -4080,7 +4278,7 @@
               </a:defRPr>
             </a:pPr>
             <a:r>
-              <a:t>Technology Stack 🏗️</a:t>
+              <a:t>Key Features 🌟</a:t>
             </a:r>
           </a:p>
         </p:txBody>
@@ -4114,7 +4312,7 @@
               </a:defRPr>
             </a:pPr>
             <a:r>
-              <a:t>📱 React Native Frontend</a:t>
+              <a:t>⚡ Fast: Results in under 90 seconds</a:t>
             </a:r>
           </a:p>
           <a:p>
@@ -4127,7 +4325,7 @@
               </a:defRPr>
             </a:pPr>
             <a:r>
-              <a:t>🐍 FastAPI Backend</a:t>
+              <a:t>🎯 Accurate: Advanced AI with verification</a:t>
             </a:r>
           </a:p>
           <a:p>
@@ -4140,7 +4338,7 @@
               </a:defRPr>
             </a:pPr>
             <a:r>
-              <a:t>🤖 OpenAI GPT-4o-mini Vision Model</a:t>
+              <a:t>📱 Easy: Simple photo-to-solution interface</a:t>
             </a:r>
           </a:p>
         </p:txBody>
@@ -4192,7 +4390,7 @@
               </a:defRPr>
             </a:pPr>
             <a:r>
-              <a:t>Example: System of Equations 📊</a:t>
+              <a:t>Technology Stack 🏗️</a:t>
             </a:r>
           </a:p>
         </p:txBody>
@@ -4226,10 +4424,34 @@
               </a:defRPr>
             </a:pPr>
             <a:r>
-              <a:rPr lang="en-US" altLang="en-US"/>
-              <a:t>https://www.tiktok.com/@fast_pace2025/video/7543560238973209878</a:t>
-            </a:r>
-            <a:endParaRPr lang="en-US" altLang="en-US"/>
+              <a:t>📱 React Native Frontend</a:t>
+            </a:r>
+          </a:p>
+          <a:p>
+            <a:pPr>
+              <a:spcAft>
+                <a:spcPts val="1200"/>
+              </a:spcAft>
+              <a:defRPr sz="2400">
+                <a:latin typeface="Calibri" panose="020F0502020204030204"/>
+              </a:defRPr>
+            </a:pPr>
+            <a:r>
+              <a:t>🐍 FastAPI Backend</a:t>
+            </a:r>
+          </a:p>
+          <a:p>
+            <a:pPr>
+              <a:spcAft>
+                <a:spcPts val="1200"/>
+              </a:spcAft>
+              <a:defRPr sz="2400">
+                <a:latin typeface="Calibri" panose="020F0502020204030204"/>
+              </a:defRPr>
+            </a:pPr>
+            <a:r>
+              <a:t>🤖 OpenAI GPT-4o-mini Vision Model</a:t>
+            </a:r>
           </a:p>
         </p:txBody>
       </p:sp>
@@ -4280,7 +4502,7 @@
               </a:defRPr>
             </a:pPr>
             <a:r>
-              <a:t>Market Opportunity 🎯</a:t>
+              <a:t>Example: System of Equations 📊</a:t>
             </a:r>
           </a:p>
         </p:txBody>
@@ -4314,7 +4536,7 @@
               </a:defRPr>
             </a:pPr>
             <a:r>
-              <a:t>📚 Students: 1.6 billion worldwide</a:t>
+              <a:t>Input: x + y = 31, x - y = 18</a:t>
             </a:r>
           </a:p>
           <a:p>
@@ -4327,7 +4549,7 @@
               </a:defRPr>
             </a:pPr>
             <a:r>
-              <a:t>👨‍🏫 Educators: Need better teaching tools</a:t>
+              <a:t>Solution Steps:</a:t>
             </a:r>
           </a:p>
           <a:p>
@@ -4340,7 +4562,33 @@
               </a:defRPr>
             </a:pPr>
             <a:r>
-              <a:t>📈 EdTech Market: $89.49 billion globally</a:t>
+              <a:t>• Add equations: 2x = 49</a:t>
+            </a:r>
+          </a:p>
+          <a:p>
+            <a:pPr>
+              <a:spcAft>
+                <a:spcPts val="1200"/>
+              </a:spcAft>
+              <a:defRPr sz="2400">
+                <a:latin typeface="Calibri" panose="020F0502020204030204"/>
+              </a:defRPr>
+            </a:pPr>
+            <a:r>
+              <a:t>• Solve: x = 24.5, y = 6.5</a:t>
+            </a:r>
+          </a:p>
+          <a:p>
+            <a:pPr>
+              <a:spcAft>
+                <a:spcPts val="1200"/>
+              </a:spcAft>
+              <a:defRPr sz="2400">
+                <a:latin typeface="Calibri" panose="020F0502020204030204"/>
+              </a:defRPr>
+            </a:pPr>
+            <a:r>
+              <a:t>• Verify: ✅ Both equations satisfied</a:t>
             </a:r>
           </a:p>
         </p:txBody>
@@ -4392,7 +4640,7 @@
               </a:defRPr>
             </a:pPr>
             <a:r>
-              <a:t>Business Model 💰</a:t>
+              <a:t>Market Opportunity 🎯</a:t>
             </a:r>
           </a:p>
         </p:txBody>
@@ -4426,7 +4674,7 @@
               </a:defRPr>
             </a:pPr>
             <a:r>
-              <a:t>📱 Freemium: 10 problems/day free</a:t>
+              <a:t>📚 Students: 1.6 billion worldwide</a:t>
             </a:r>
           </a:p>
           <a:p>
@@ -4439,7 +4687,7 @@
               </a:defRPr>
             </a:pPr>
             <a:r>
-              <a:t>⭐ Premium: Unlimited + priority processing</a:t>
+              <a:t>👨‍🏫 Educators: Need better teaching tools</a:t>
             </a:r>
           </a:p>
           <a:p>
@@ -4452,7 +4700,7 @@
               </a:defRPr>
             </a:pPr>
             <a:r>
-              <a:t>🏢 Enterprise: Educational institutions</a:t>
+              <a:t>📈 EdTech Market: $89.49 billion globally</a:t>
             </a:r>
           </a:p>
         </p:txBody>
